--- a/Презентація.pptx
+++ b/Презентація.pptx
@@ -20301,8 +20301,8 @@
               <a:t>Робота з специфічним аппаратним забезпеченням відбуваєтся через бібліотеку </a:t>
             </a:r>
             <a:r>
-              <a:rPr lang="en-US" dirty="0" smtClean="0"/>
-              <a:t>IT-3100 Lib </a:t>
+              <a:rPr lang="en-US" smtClean="0"/>
+              <a:t>IT-3100_CSLib </a:t>
             </a:r>
             <a:r>
               <a:rPr lang="uk-UA" dirty="0" smtClean="0"/>
@@ -20562,15 +20562,7 @@
             <a:pPr algn="ctr"/>
             <a:r>
               <a:rPr lang="en-US" dirty="0" smtClean="0"/>
-              <a:t>IT-3001</a:t>
-            </a:r>
-            <a:r>
-              <a:rPr lang="uk-UA" dirty="0" smtClean="0"/>
-              <a:t> </a:t>
-            </a:r>
-            <a:r>
-              <a:rPr lang="en-US" dirty="0" smtClean="0"/>
-              <a:t>Lib</a:t>
+              <a:t>IT-3100_CSLib</a:t>
             </a:r>
             <a:endParaRPr lang="ru-RU" dirty="0"/>
           </a:p>

--- a/Презентація.pptx
+++ b/Презентація.pptx
@@ -11,6 +11,8 @@
     <p:sldId id="259" r:id="rId5"/>
     <p:sldId id="260" r:id="rId6"/>
     <p:sldId id="261" r:id="rId7"/>
+    <p:sldId id="262" r:id="rId8"/>
+    <p:sldId id="263" r:id="rId9"/>
   </p:sldIdLst>
   <p:sldSz cx="12192000" cy="6858000"/>
   <p:notesSz cx="6858000" cy="9144000"/>
@@ -20301,7 +20303,7 @@
               <a:t>Робота з специфічним аппаратним забезпеченням відбуваєтся через бібліотеку </a:t>
             </a:r>
             <a:r>
-              <a:rPr lang="en-US" smtClean="0"/>
+              <a:rPr lang="en-US" dirty="0" smtClean="0"/>
               <a:t>IT-3100_CSLib </a:t>
             </a:r>
             <a:r>
@@ -21304,6 +21306,238 @@
 </p:sld>
 </file>
 
+<file path=ppt/slides/slide7.xml><?xml version="1.0" encoding="utf-8"?>
+<p:sld xmlns:a="http://schemas.openxmlformats.org/drawingml/2006/main" xmlns:r="http://schemas.openxmlformats.org/officeDocument/2006/relationships" xmlns:p="http://schemas.openxmlformats.org/presentationml/2006/main">
+  <p:cSld>
+    <p:spTree>
+      <p:nvGrpSpPr>
+        <p:cNvPr id="1" name=""/>
+        <p:cNvGrpSpPr/>
+        <p:nvPr/>
+      </p:nvGrpSpPr>
+      <p:grpSpPr>
+        <a:xfrm>
+          <a:off x="0" y="0"/>
+          <a:ext cx="0" cy="0"/>
+          <a:chOff x="0" y="0"/>
+          <a:chExt cx="0" cy="0"/>
+        </a:xfrm>
+      </p:grpSpPr>
+      <p:sp>
+        <p:nvSpPr>
+          <p:cNvPr id="2" name="Заголовок 1"/>
+          <p:cNvSpPr>
+            <a:spLocks noGrp="1"/>
+          </p:cNvSpPr>
+          <p:nvPr>
+            <p:ph type="title"/>
+          </p:nvPr>
+        </p:nvSpPr>
+        <p:spPr/>
+        <p:txBody>
+          <a:bodyPr/>
+          <a:lstStyle/>
+          <a:p>
+            <a:r>
+              <a:rPr lang="uk-UA" dirty="0" smtClean="0"/>
+              <a:t>Приклад роботи веб-панелі адміністратора</a:t>
+            </a:r>
+            <a:endParaRPr lang="ru-RU" dirty="0"/>
+          </a:p>
+        </p:txBody>
+      </p:sp>
+      <p:pic>
+        <p:nvPicPr>
+          <p:cNvPr id="4" name="Рисунок 3"/>
+          <p:cNvPicPr>
+            <a:picLocks noChangeAspect="1"/>
+          </p:cNvPicPr>
+          <p:nvPr/>
+        </p:nvPicPr>
+        <p:blipFill>
+          <a:blip r:embed="rId2"/>
+          <a:stretch>
+            <a:fillRect/>
+          </a:stretch>
+        </p:blipFill>
+        <p:spPr>
+          <a:xfrm>
+            <a:off x="356043" y="2073094"/>
+            <a:ext cx="9239250" cy="2137735"/>
+          </a:xfrm>
+          <a:prstGeom prst="rect">
+            <a:avLst/>
+          </a:prstGeom>
+        </p:spPr>
+      </p:pic>
+    </p:spTree>
+    <p:extLst>
+      <p:ext uri="{BB962C8B-B14F-4D97-AF65-F5344CB8AC3E}">
+        <p14:creationId xmlns:p14="http://schemas.microsoft.com/office/powerpoint/2010/main" val="3441114444"/>
+      </p:ext>
+    </p:extLst>
+  </p:cSld>
+  <p:clrMapOvr>
+    <a:masterClrMapping/>
+  </p:clrMapOvr>
+</p:sld>
+</file>
+
+<file path=ppt/slides/slide8.xml><?xml version="1.0" encoding="utf-8"?>
+<p:sld xmlns:a="http://schemas.openxmlformats.org/drawingml/2006/main" xmlns:r="http://schemas.openxmlformats.org/officeDocument/2006/relationships" xmlns:p="http://schemas.openxmlformats.org/presentationml/2006/main">
+  <p:cSld>
+    <p:spTree>
+      <p:nvGrpSpPr>
+        <p:cNvPr id="1" name=""/>
+        <p:cNvGrpSpPr/>
+        <p:nvPr/>
+      </p:nvGrpSpPr>
+      <p:grpSpPr>
+        <a:xfrm>
+          <a:off x="0" y="0"/>
+          <a:ext cx="0" cy="0"/>
+          <a:chOff x="0" y="0"/>
+          <a:chExt cx="0" cy="0"/>
+        </a:xfrm>
+      </p:grpSpPr>
+      <p:sp>
+        <p:nvSpPr>
+          <p:cNvPr id="2" name="Заголовок 1"/>
+          <p:cNvSpPr>
+            <a:spLocks noGrp="1"/>
+          </p:cNvSpPr>
+          <p:nvPr>
+            <p:ph type="title"/>
+          </p:nvPr>
+        </p:nvSpPr>
+        <p:spPr/>
+        <p:txBody>
+          <a:bodyPr/>
+          <a:lstStyle/>
+          <a:p>
+            <a:r>
+              <a:rPr lang="uk-UA" dirty="0" smtClean="0"/>
+              <a:t>Приклади роботи клієнтського застосунку</a:t>
+            </a:r>
+            <a:endParaRPr lang="ru-RU" dirty="0"/>
+          </a:p>
+        </p:txBody>
+      </p:sp>
+      <p:pic>
+        <p:nvPicPr>
+          <p:cNvPr id="4" name="Рисунок 3"/>
+          <p:cNvPicPr>
+            <a:picLocks noChangeAspect="1"/>
+          </p:cNvPicPr>
+          <p:nvPr/>
+        </p:nvPicPr>
+        <p:blipFill rotWithShape="1">
+          <a:blip r:embed="rId2">
+            <a:extLst>
+              <a:ext uri="{BEBA8EAE-BF5A-486C-A8C5-ECC9F3942E4B}">
+                <a14:imgProps xmlns:a14="http://schemas.microsoft.com/office/drawing/2010/main">
+                  <a14:imgLayer r:embed="rId3">
+                    <a14:imgEffect>
+                      <a14:backgroundRemoval t="10000" b="90000" l="10000" r="90000"/>
+                    </a14:imgEffect>
+                  </a14:imgLayer>
+                </a14:imgProps>
+              </a:ext>
+            </a:extLst>
+          </a:blip>
+          <a:srcRect l="18318" t="16016" r="13219" b="16014"/>
+          <a:stretch/>
+        </p:blipFill>
+        <p:spPr>
+          <a:xfrm>
+            <a:off x="677334" y="1930400"/>
+            <a:ext cx="2269374" cy="2751512"/>
+          </a:xfrm>
+          <a:prstGeom prst="rect">
+            <a:avLst/>
+          </a:prstGeom>
+        </p:spPr>
+      </p:pic>
+      <p:pic>
+        <p:nvPicPr>
+          <p:cNvPr id="5" name="Рисунок 4"/>
+          <p:cNvPicPr>
+            <a:picLocks noChangeAspect="1"/>
+          </p:cNvPicPr>
+          <p:nvPr/>
+        </p:nvPicPr>
+        <p:blipFill rotWithShape="1">
+          <a:blip r:embed="rId4">
+            <a:extLst>
+              <a:ext uri="{BEBA8EAE-BF5A-486C-A8C5-ECC9F3942E4B}">
+                <a14:imgProps xmlns:a14="http://schemas.microsoft.com/office/drawing/2010/main">
+                  <a14:imgLayer r:embed="rId5">
+                    <a14:imgEffect>
+                      <a14:backgroundRemoval t="0" b="100000" l="0" r="100000">
+                        <a14:foregroundMark x1="6855" y1="5705" x2="12097" y2="93289"/>
+                        <a14:foregroundMark x1="17339" y1="8725" x2="84274" y2="92953"/>
+                        <a14:foregroundMark x1="96371" y1="95302" x2="5242" y2="92282"/>
+                        <a14:foregroundMark x1="3226" y1="11074" x2="3226" y2="80872"/>
+                        <a14:foregroundMark x1="21371" y1="8725" x2="83871" y2="30201"/>
+                        <a14:foregroundMark x1="86694" y1="11074" x2="91129" y2="21812"/>
+                        <a14:foregroundMark x1="75403" y1="9396" x2="78226" y2="24161"/>
+                        <a14:foregroundMark x1="58871" y1="12752" x2="66532" y2="28523"/>
+                      </a14:backgroundRemoval>
+                    </a14:imgEffect>
+                  </a14:imgLayer>
+                </a14:imgProps>
+              </a:ext>
+            </a:extLst>
+          </a:blip>
+          <a:srcRect l="1319" t="945" r="2258" b="1533"/>
+          <a:stretch/>
+        </p:blipFill>
+        <p:spPr>
+          <a:xfrm>
+            <a:off x="6996315" y="1930400"/>
+            <a:ext cx="2277687" cy="2768138"/>
+          </a:xfrm>
+          <a:prstGeom prst="rect">
+            <a:avLst/>
+          </a:prstGeom>
+        </p:spPr>
+      </p:pic>
+      <p:pic>
+        <p:nvPicPr>
+          <p:cNvPr id="6" name="Рисунок 5"/>
+          <p:cNvPicPr>
+            <a:picLocks noChangeAspect="1"/>
+          </p:cNvPicPr>
+          <p:nvPr/>
+        </p:nvPicPr>
+        <p:blipFill rotWithShape="1">
+          <a:blip r:embed="rId6"/>
+          <a:srcRect l="7060" t="5283" r="13939" b="5283"/>
+          <a:stretch/>
+        </p:blipFill>
+        <p:spPr>
+          <a:xfrm>
+            <a:off x="3820199" y="1930399"/>
+            <a:ext cx="2302625" cy="2751513"/>
+          </a:xfrm>
+          <a:prstGeom prst="rect">
+            <a:avLst/>
+          </a:prstGeom>
+        </p:spPr>
+      </p:pic>
+    </p:spTree>
+    <p:extLst>
+      <p:ext uri="{BB962C8B-B14F-4D97-AF65-F5344CB8AC3E}">
+        <p14:creationId xmlns:p14="http://schemas.microsoft.com/office/powerpoint/2010/main" val="4042695598"/>
+      </p:ext>
+    </p:extLst>
+  </p:cSld>
+  <p:clrMapOvr>
+    <a:masterClrMapping/>
+  </p:clrMapOvr>
+</p:sld>
+</file>
+
 <file path=ppt/theme/theme1.xml><?xml version="1.0" encoding="utf-8"?>
 <a:theme xmlns:a="http://schemas.openxmlformats.org/drawingml/2006/main" name="Аспект">
   <a:themeElements>
